--- a/Presentationsmaterial/Dokument/1.5 En databas, en tabell, lagrade procedurer och Entity Framework.pptx
+++ b/Presentationsmaterial/Dokument/1.5 En databas, en tabell, lagrade procedurer och Entity Framework.pptx
@@ -150,6 +150,22 @@
       </a:defRPr>
     </a:lvl9pPr>
   </p:defaultTextStyle>
+  <p:extLst>
+    <p:ext uri="{EFAFB233-063F-42B5-8137-9DF3F51BA10A}">
+      <p15:sldGuideLst xmlns:p15="http://schemas.microsoft.com/office/powerpoint/2012/main">
+        <p15:guide id="1" orient="horz">
+          <p15:clr>
+            <a:srgbClr val="A4A3A4"/>
+          </p15:clr>
+        </p15:guide>
+        <p15:guide id="2">
+          <p15:clr>
+            <a:srgbClr val="A4A3A4"/>
+          </p15:clr>
+        </p15:guide>
+      </p15:sldGuideLst>
+    </p:ext>
+  </p:extLst>
 </p:presentation>
 </file>
 
@@ -236,7 +252,7 @@
             <a:fld id="{0B3BAAB0-D539-4A20-AE97-450346457396}" type="datetimeFigureOut">
               <a:rPr lang="sv-SE" smtClean="0"/>
               <a:pPr/>
-              <a:t>2013-11-17</a:t>
+              <a:t>2014-11-10</a:t>
             </a:fld>
             <a:endParaRPr lang="sv-SE" dirty="0"/>
           </a:p>
@@ -667,6 +683,11 @@
         </p:txBody>
       </p:sp>
     </p:spTree>
+    <p:extLst>
+      <p:ext uri="{BB962C8B-B14F-4D97-AF65-F5344CB8AC3E}">
+        <p14:creationId xmlns:p14="http://schemas.microsoft.com/office/powerpoint/2010/main" val="3342147467"/>
+      </p:ext>
+    </p:extLst>
   </p:cSld>
   <p:clrMapOvr>
     <a:masterClrMapping/>
@@ -3879,165 +3900,23 @@
           <a:chExt cx="0" cy="0"/>
         </a:xfrm>
       </p:grpSpPr>
-      <p:sp>
-        <p:nvSpPr>
-          <p:cNvPr id="2" name="Rubrik 1"/>
-          <p:cNvSpPr>
-            <a:spLocks noGrp="1"/>
-          </p:cNvSpPr>
-          <p:nvPr>
-            <p:ph type="title"/>
-          </p:nvPr>
-        </p:nvSpPr>
-        <p:spPr/>
-        <p:txBody>
-          <a:bodyPr/>
-          <a:lstStyle/>
-          <a:p>
-            <a:r>
-              <a:rPr lang="sv-SE" i="1" dirty="0" smtClean="0"/>
-              <a:t>”Repository”</a:t>
-            </a:r>
-            <a:r>
-              <a:rPr lang="sv-SE" dirty="0" smtClean="0"/>
-              <a:t>-klass som använder </a:t>
-            </a:r>
-            <a:r>
-              <a:rPr lang="sv-SE" i="1" dirty="0" smtClean="0"/>
-              <a:t>Entity Framework</a:t>
-            </a:r>
-            <a:endParaRPr lang="sv-SE" i="1" dirty="0"/>
-          </a:p>
-        </p:txBody>
-      </p:sp>
-      <p:sp>
-        <p:nvSpPr>
-          <p:cNvPr id="3" name="Platshållare för innehåll 2"/>
-          <p:cNvSpPr>
-            <a:spLocks noGrp="1"/>
-          </p:cNvSpPr>
-          <p:nvPr>
-            <p:ph idx="1"/>
-          </p:nvPr>
-        </p:nvSpPr>
-        <p:spPr>
-          <a:xfrm>
-            <a:off x="457200" y="817563"/>
-            <a:ext cx="4185522" cy="4619625"/>
-          </a:xfrm>
-        </p:spPr>
-        <p:txBody>
-          <a:bodyPr/>
-          <a:lstStyle/>
-          <a:p>
-            <a:r>
-              <a:rPr lang="sv-SE" dirty="0" smtClean="0"/>
-              <a:t>Klassen </a:t>
-            </a:r>
-            <a:r>
-              <a:rPr lang="sv-SE" sz="1600" dirty="0" err="1" smtClean="0">
-                <a:latin typeface="Courier New" pitchFamily="49" charset="0"/>
-                <a:cs typeface="Courier New" pitchFamily="49" charset="0"/>
-              </a:rPr>
-              <a:t>EFRepository</a:t>
-            </a:r>
-            <a:r>
-              <a:rPr lang="sv-SE" dirty="0" smtClean="0"/>
-              <a:t> implementerar de tre metoderna </a:t>
-            </a:r>
-            <a:r>
-              <a:rPr lang="sv-SE" sz="1600" dirty="0" err="1" smtClean="0">
-                <a:latin typeface="Courier New" pitchFamily="49" charset="0"/>
-                <a:cs typeface="Courier New" pitchFamily="49" charset="0"/>
-              </a:rPr>
-              <a:t>GetBirthdays</a:t>
-            </a:r>
-            <a:r>
-              <a:rPr lang="sv-SE" sz="1600" dirty="0"/>
-              <a:t> , </a:t>
-            </a:r>
-            <a:r>
-              <a:rPr lang="sv-SE" sz="1600" dirty="0" err="1" smtClean="0">
-                <a:latin typeface="Courier New" pitchFamily="49" charset="0"/>
-                <a:cs typeface="Courier New" pitchFamily="49" charset="0"/>
-              </a:rPr>
-              <a:t>InsertBirthday</a:t>
-            </a:r>
-            <a:r>
-              <a:rPr lang="sv-SE" dirty="0" smtClean="0"/>
-              <a:t> </a:t>
-            </a:r>
-            <a:r>
-              <a:rPr lang="sv-SE" dirty="0"/>
-              <a:t>och </a:t>
-            </a:r>
-            <a:r>
-              <a:rPr lang="sv-SE" sz="1600" dirty="0" smtClean="0">
-                <a:latin typeface="Courier New" pitchFamily="49" charset="0"/>
-                <a:cs typeface="Courier New" pitchFamily="49" charset="0"/>
-              </a:rPr>
-              <a:t>Save</a:t>
-            </a:r>
-            <a:r>
-              <a:rPr lang="sv-SE" dirty="0" smtClean="0"/>
-              <a:t>, d.v.s. exakt samma publika metoder som klassen </a:t>
-            </a:r>
-            <a:r>
-              <a:rPr lang="sv-SE" sz="1600" dirty="0" smtClean="0">
-                <a:latin typeface="Courier New" pitchFamily="49" charset="0"/>
-                <a:cs typeface="Courier New" pitchFamily="49" charset="0"/>
-              </a:rPr>
-              <a:t>XmlRepository</a:t>
-            </a:r>
-            <a:r>
-              <a:rPr lang="sv-SE" dirty="0" smtClean="0"/>
-              <a:t>.</a:t>
-            </a:r>
-          </a:p>
-          <a:p>
-            <a:r>
-              <a:rPr lang="sv-SE" dirty="0" smtClean="0"/>
-              <a:t>Klassen implementerar även ett interfacet, </a:t>
-            </a:r>
-            <a:r>
-              <a:rPr lang="sv-SE" sz="1600" dirty="0" err="1">
-                <a:latin typeface="Courier New" pitchFamily="49" charset="0"/>
-                <a:cs typeface="Courier New" pitchFamily="49" charset="0"/>
-              </a:rPr>
-              <a:t>IDisposal</a:t>
-            </a:r>
-            <a:r>
-              <a:rPr lang="sv-SE" dirty="0" smtClean="0"/>
-              <a:t>. Vilket gör det möjligt för användaren av klassen att återlämna de resurser som tagits i anspråk vid kommunikation med den underliggande databasen.</a:t>
-            </a:r>
-            <a:endParaRPr lang="sv-SE" dirty="0"/>
-          </a:p>
-        </p:txBody>
-      </p:sp>
       <p:pic>
         <p:nvPicPr>
-          <p:cNvPr id="1026" name="Picture 2"/>
+          <p:cNvPr id="7" name="Bildobjekt 6"/>
           <p:cNvPicPr>
-            <a:picLocks noChangeAspect="1" noChangeArrowheads="1"/>
+            <a:picLocks noChangeAspect="1"/>
           </p:cNvPicPr>
           <p:nvPr/>
         </p:nvPicPr>
         <p:blipFill>
-          <a:blip r:embed="rId2">
-            <a:extLst>
-              <a:ext uri="{28A0092B-C50C-407E-A947-70E740481C1C}">
-                <a14:useLocalDpi xmlns:a14="http://schemas.microsoft.com/office/drawing/2010/main" val="0"/>
-              </a:ext>
-            </a:extLst>
-          </a:blip>
-          <a:srcRect/>
+          <a:blip r:embed="rId2"/>
           <a:stretch>
             <a:fillRect/>
           </a:stretch>
         </p:blipFill>
-        <p:spPr bwMode="auto">
+        <p:spPr>
           <a:xfrm rot="540000">
-            <a:off x="4849074" y="809476"/>
+            <a:off x="4849072" y="809475"/>
             <a:ext cx="3613334" cy="4826667"/>
           </a:xfrm>
           <a:prstGeom prst="rect">
@@ -4075,9 +3954,152 @@
               <a:srgbClr val="969696"/>
             </a:contourClr>
           </a:sp3d>
-          <a:extLst/>
         </p:spPr>
       </p:pic>
+      <p:sp>
+        <p:nvSpPr>
+          <p:cNvPr id="2" name="Rubrik 1"/>
+          <p:cNvSpPr>
+            <a:spLocks noGrp="1"/>
+          </p:cNvSpPr>
+          <p:nvPr>
+            <p:ph type="title"/>
+          </p:nvPr>
+        </p:nvSpPr>
+        <p:spPr/>
+        <p:txBody>
+          <a:bodyPr/>
+          <a:lstStyle/>
+          <a:p>
+            <a:r>
+              <a:rPr lang="sv-SE" i="1" dirty="0" smtClean="0"/>
+              <a:t>”Repository”</a:t>
+            </a:r>
+            <a:r>
+              <a:rPr lang="sv-SE" dirty="0" smtClean="0"/>
+              <a:t>-klass som använder </a:t>
+            </a:r>
+            <a:r>
+              <a:rPr lang="sv-SE" i="1" dirty="0" smtClean="0"/>
+              <a:t>Entity Framework</a:t>
+            </a:r>
+            <a:endParaRPr lang="sv-SE" i="1" dirty="0"/>
+          </a:p>
+        </p:txBody>
+      </p:sp>
+      <p:sp>
+        <p:nvSpPr>
+          <p:cNvPr id="3" name="Platshållare för innehåll 2"/>
+          <p:cNvSpPr>
+            <a:spLocks noGrp="1"/>
+          </p:cNvSpPr>
+          <p:nvPr>
+            <p:ph idx="1"/>
+          </p:nvPr>
+        </p:nvSpPr>
+        <p:spPr>
+          <a:xfrm>
+            <a:off x="457200" y="817563"/>
+            <a:ext cx="4185522" cy="4619625"/>
+          </a:xfrm>
+        </p:spPr>
+        <p:txBody>
+          <a:bodyPr/>
+          <a:lstStyle/>
+          <a:p>
+            <a:r>
+              <a:rPr lang="sv-SE" dirty="0"/>
+              <a:t>Klassen </a:t>
+            </a:r>
+            <a:r>
+              <a:rPr lang="sv-SE" sz="1600" dirty="0" err="1">
+                <a:latin typeface="Courier New" pitchFamily="49" charset="0"/>
+                <a:cs typeface="Courier New" pitchFamily="49" charset="0"/>
+              </a:rPr>
+              <a:t>EFRepository</a:t>
+            </a:r>
+            <a:r>
+              <a:rPr lang="sv-SE" dirty="0"/>
+              <a:t> </a:t>
+            </a:r>
+            <a:r>
+              <a:rPr lang="sv-SE" dirty="0" err="1" smtClean="0"/>
+              <a:t>inehåller</a:t>
+            </a:r>
+            <a:r>
+              <a:rPr lang="sv-SE" dirty="0" smtClean="0"/>
+              <a:t> </a:t>
+            </a:r>
+            <a:r>
+              <a:rPr lang="sv-SE" dirty="0"/>
+              <a:t>metoderna </a:t>
+            </a:r>
+            <a:r>
+              <a:rPr lang="sv-SE" sz="1600" dirty="0" err="1">
+                <a:latin typeface="Courier New" pitchFamily="49" charset="0"/>
+                <a:cs typeface="Courier New" pitchFamily="49" charset="0"/>
+              </a:rPr>
+              <a:t>GetBirthdays</a:t>
+            </a:r>
+            <a:r>
+              <a:rPr lang="sv-SE" sz="1600" dirty="0"/>
+              <a:t> , </a:t>
+            </a:r>
+            <a:r>
+              <a:rPr lang="sv-SE" sz="1600" dirty="0" err="1">
+                <a:latin typeface="Courier New" pitchFamily="49" charset="0"/>
+                <a:cs typeface="Courier New" pitchFamily="49" charset="0"/>
+              </a:rPr>
+              <a:t>InsertBirthday</a:t>
+            </a:r>
+            <a:r>
+              <a:rPr lang="sv-SE" dirty="0"/>
+              <a:t> och </a:t>
+            </a:r>
+            <a:r>
+              <a:rPr lang="sv-SE" sz="1600" dirty="0">
+                <a:latin typeface="Courier New" pitchFamily="49" charset="0"/>
+                <a:cs typeface="Courier New" pitchFamily="49" charset="0"/>
+              </a:rPr>
+              <a:t>Save</a:t>
+            </a:r>
+            <a:r>
+              <a:rPr lang="sv-SE" dirty="0"/>
+              <a:t>, d.v.s. exakt samma publika metoder som klassen </a:t>
+            </a:r>
+            <a:r>
+              <a:rPr lang="sv-SE" sz="1600" dirty="0" err="1">
+                <a:latin typeface="Courier New" pitchFamily="49" charset="0"/>
+                <a:cs typeface="Courier New" pitchFamily="49" charset="0"/>
+              </a:rPr>
+              <a:t>XmlRepository</a:t>
+            </a:r>
+            <a:r>
+              <a:rPr lang="sv-SE" dirty="0"/>
+              <a:t>. </a:t>
+            </a:r>
+            <a:endParaRPr lang="sv-SE" dirty="0" smtClean="0"/>
+          </a:p>
+          <a:p>
+            <a:r>
+              <a:rPr lang="sv-SE" dirty="0" smtClean="0"/>
+              <a:t>Klassen implementerar även ett interfacet, </a:t>
+            </a:r>
+            <a:r>
+              <a:rPr lang="sv-SE" sz="1600" dirty="0" err="1" smtClean="0">
+                <a:latin typeface="Courier New" pitchFamily="49" charset="0"/>
+                <a:cs typeface="Courier New" pitchFamily="49" charset="0"/>
+              </a:rPr>
+              <a:t>IDisposal</a:t>
+            </a:r>
+            <a:r>
+              <a:rPr lang="sv-SE" dirty="0" smtClean="0"/>
+              <a:t>. Vilket gör det möjligt för användaren av klassen att återlämna de resurser som tagits i anspråk vid kommunikation med den underliggande databasen.</a:t>
+            </a:r>
+            <a:endParaRPr lang="sv-SE" dirty="0" smtClean="0"/>
+          </a:p>
+        </p:txBody>
+      </p:sp>
     </p:spTree>
   </p:cSld>
   <p:clrMapOvr>
@@ -4113,31 +4135,103 @@
           <a:chExt cx="0" cy="0"/>
         </a:xfrm>
       </p:grpSpPr>
+      <p:sp>
+        <p:nvSpPr>
+          <p:cNvPr id="2" name="Rubrik 1"/>
+          <p:cNvSpPr>
+            <a:spLocks noGrp="1"/>
+          </p:cNvSpPr>
+          <p:nvPr>
+            <p:ph type="title"/>
+          </p:nvPr>
+        </p:nvSpPr>
+        <p:spPr/>
+        <p:txBody>
+          <a:bodyPr/>
+          <a:lstStyle/>
+          <a:p>
+            <a:r>
+              <a:rPr lang="sv-SE" dirty="0" smtClean="0"/>
+              <a:t>Modifiering av klassen </a:t>
+            </a:r>
+            <a:r>
+              <a:rPr lang="sv-SE" sz="2400" dirty="0" smtClean="0">
+                <a:latin typeface="Courier New" pitchFamily="49" charset="0"/>
+                <a:cs typeface="Courier New" pitchFamily="49" charset="0"/>
+              </a:rPr>
+              <a:t>HomeController</a:t>
+            </a:r>
+            <a:endParaRPr lang="sv-SE" dirty="0">
+              <a:latin typeface="Courier New" pitchFamily="49" charset="0"/>
+              <a:cs typeface="Courier New" pitchFamily="49" charset="0"/>
+            </a:endParaRPr>
+          </a:p>
+        </p:txBody>
+      </p:sp>
+      <p:sp>
+        <p:nvSpPr>
+          <p:cNvPr id="3" name="Platshållare för innehåll 2"/>
+          <p:cNvSpPr>
+            <a:spLocks noGrp="1"/>
+          </p:cNvSpPr>
+          <p:nvPr>
+            <p:ph idx="1"/>
+          </p:nvPr>
+        </p:nvSpPr>
+        <p:spPr/>
+        <p:txBody>
+          <a:bodyPr/>
+          <a:lstStyle/>
+          <a:p>
+            <a:r>
+              <a:rPr lang="sv-SE" dirty="0" smtClean="0"/>
+              <a:t>I och med att klassen </a:t>
+            </a:r>
+            <a:r>
+              <a:rPr lang="sv-SE" sz="1600" dirty="0" err="1" smtClean="0">
+                <a:latin typeface="Courier New" pitchFamily="49" charset="0"/>
+                <a:cs typeface="Courier New" pitchFamily="49" charset="0"/>
+              </a:rPr>
+              <a:t>BirthdayController</a:t>
+            </a:r>
+            <a:r>
+              <a:rPr lang="sv-SE" dirty="0" smtClean="0"/>
+              <a:t> </a:t>
+            </a:r>
+            <a:r>
+              <a:rPr lang="sv-SE" dirty="0" smtClean="0"/>
+              <a:t>använder ett centrallager (</a:t>
+            </a:r>
+            <a:r>
+              <a:rPr lang="sv-SE" i="1" dirty="0" smtClean="0"/>
+              <a:t>repository</a:t>
+            </a:r>
+            <a:r>
+              <a:rPr lang="sv-SE" dirty="0" smtClean="0"/>
+              <a:t>) är det inte mycket som behöver modifieras!</a:t>
+            </a:r>
+            <a:endParaRPr lang="sv-SE" dirty="0"/>
+          </a:p>
+        </p:txBody>
+      </p:sp>
       <p:pic>
         <p:nvPicPr>
-          <p:cNvPr id="4098" name="Picture 2"/>
+          <p:cNvPr id="4" name="Bildobjekt 3"/>
           <p:cNvPicPr>
-            <a:picLocks noChangeAspect="1" noChangeArrowheads="1"/>
+            <a:picLocks noChangeAspect="1"/>
           </p:cNvPicPr>
           <p:nvPr/>
         </p:nvPicPr>
         <p:blipFill>
-          <a:blip r:embed="rId2">
-            <a:extLst>
-              <a:ext uri="{28A0092B-C50C-407E-A947-70E740481C1C}">
-                <a14:useLocalDpi xmlns:a14="http://schemas.microsoft.com/office/drawing/2010/main" val="0"/>
-              </a:ext>
-            </a:extLst>
-          </a:blip>
-          <a:srcRect/>
+          <a:blip r:embed="rId2"/>
           <a:stretch>
             <a:fillRect/>
           </a:stretch>
         </p:blipFill>
-        <p:spPr bwMode="auto">
+        <p:spPr>
           <a:xfrm rot="600000">
-            <a:off x="2043607" y="-188901"/>
-            <a:ext cx="5497144" cy="9161906"/>
+            <a:off x="1218738" y="-168746"/>
+            <a:ext cx="6165714" cy="9310477"/>
           </a:xfrm>
           <a:prstGeom prst="rect">
             <a:avLst/>
@@ -4174,84 +4268,8 @@
               <a:srgbClr val="FFFFFF"/>
             </a:contourClr>
           </a:sp3d>
-          <a:extLst/>
         </p:spPr>
       </p:pic>
-      <p:sp>
-        <p:nvSpPr>
-          <p:cNvPr id="2" name="Rubrik 1"/>
-          <p:cNvSpPr>
-            <a:spLocks noGrp="1"/>
-          </p:cNvSpPr>
-          <p:nvPr>
-            <p:ph type="title"/>
-          </p:nvPr>
-        </p:nvSpPr>
-        <p:spPr/>
-        <p:txBody>
-          <a:bodyPr/>
-          <a:lstStyle/>
-          <a:p>
-            <a:r>
-              <a:rPr lang="sv-SE" dirty="0" smtClean="0"/>
-              <a:t>Modifiering av klassen </a:t>
-            </a:r>
-            <a:r>
-              <a:rPr lang="sv-SE" sz="2400" dirty="0" smtClean="0">
-                <a:latin typeface="Courier New" pitchFamily="49" charset="0"/>
-                <a:cs typeface="Courier New" pitchFamily="49" charset="0"/>
-              </a:rPr>
-              <a:t>HomeController</a:t>
-            </a:r>
-            <a:endParaRPr lang="sv-SE" dirty="0">
-              <a:latin typeface="Courier New" pitchFamily="49" charset="0"/>
-              <a:cs typeface="Courier New" pitchFamily="49" charset="0"/>
-            </a:endParaRPr>
-          </a:p>
-        </p:txBody>
-      </p:sp>
-      <p:sp>
-        <p:nvSpPr>
-          <p:cNvPr id="3" name="Platshållare för innehåll 2"/>
-          <p:cNvSpPr>
-            <a:spLocks noGrp="1"/>
-          </p:cNvSpPr>
-          <p:nvPr>
-            <p:ph idx="1"/>
-          </p:nvPr>
-        </p:nvSpPr>
-        <p:spPr/>
-        <p:txBody>
-          <a:bodyPr/>
-          <a:lstStyle/>
-          <a:p>
-            <a:r>
-              <a:rPr lang="sv-SE" dirty="0" smtClean="0"/>
-              <a:t>I och med att klassen </a:t>
-            </a:r>
-            <a:r>
-              <a:rPr lang="sv-SE" sz="1600" dirty="0" smtClean="0">
-                <a:latin typeface="Courier New" pitchFamily="49" charset="0"/>
-                <a:cs typeface="Courier New" pitchFamily="49" charset="0"/>
-              </a:rPr>
-              <a:t>HomeController</a:t>
-            </a:r>
-            <a:r>
-              <a:rPr lang="sv-SE" dirty="0" smtClean="0"/>
-              <a:t> använder ett centrallager (</a:t>
-            </a:r>
-            <a:r>
-              <a:rPr lang="sv-SE" i="1" dirty="0" smtClean="0"/>
-              <a:t>repository</a:t>
-            </a:r>
-            <a:r>
-              <a:rPr lang="sv-SE" dirty="0" smtClean="0"/>
-              <a:t>) är det inte mycket som behöver modifieras!</a:t>
-            </a:r>
-            <a:endParaRPr lang="sv-SE" dirty="0"/>
-          </a:p>
-        </p:txBody>
-      </p:sp>
     </p:spTree>
   </p:cSld>
   <p:clrMapOvr>
@@ -4289,43 +4307,27 @@
       </p:grpSpPr>
       <p:pic>
         <p:nvPicPr>
-          <p:cNvPr id="5124" name="Picture 4" descr="C:\Users\mats\AppData\Local\Temp\SNAGHTML668befc.PNG"/>
+          <p:cNvPr id="4" name="Bildobjekt 3"/>
           <p:cNvPicPr>
-            <a:picLocks noChangeAspect="1" noChangeArrowheads="1"/>
+            <a:picLocks noChangeAspect="1"/>
           </p:cNvPicPr>
           <p:nvPr/>
         </p:nvPicPr>
         <p:blipFill>
-          <a:blip r:embed="rId2">
-            <a:extLst>
-              <a:ext uri="{28A0092B-C50C-407E-A947-70E740481C1C}">
-                <a14:useLocalDpi xmlns:a14="http://schemas.microsoft.com/office/drawing/2010/main" val="0"/>
-              </a:ext>
-            </a:extLst>
-          </a:blip>
-          <a:srcRect/>
+          <a:blip r:embed="rId2"/>
           <a:stretch>
             <a:fillRect/>
           </a:stretch>
         </p:blipFill>
-        <p:spPr bwMode="auto">
+        <p:spPr>
           <a:xfrm rot="300000">
-            <a:off x="-155223" y="2876401"/>
-            <a:ext cx="4219575" cy="3771901"/>
+            <a:off x="-279546" y="2831456"/>
+            <a:ext cx="4742857" cy="7161905"/>
           </a:xfrm>
           <a:prstGeom prst="rect">
             <a:avLst/>
           </a:prstGeom>
           <a:noFill/>
-          <a:extLst>
-            <a:ext uri="{909E8E84-426E-40DD-AFC4-6F175D3DCCD1}">
-              <a14:hiddenFill xmlns:a14="http://schemas.microsoft.com/office/drawing/2010/main">
-                <a:solidFill>
-                  <a:srgbClr val="FFFFFF"/>
-                </a:solidFill>
-              </a14:hiddenFill>
-            </a:ext>
-          </a:extLst>
         </p:spPr>
       </p:pic>
       <p:pic>
@@ -4389,25 +4391,7 @@
               <a:srgbClr val="969696"/>
             </a:contourClr>
           </a:sp3d>
-          <a:extLst>
-            <a:ext uri="{909E8E84-426E-40DD-AFC4-6F175D3DCCD1}">
-              <a14:hiddenFill xmlns:a14="http://schemas.microsoft.com/office/drawing/2010/main">
-                <a:solidFill>
-                  <a:schemeClr val="accent1"/>
-                </a:solidFill>
-              </a14:hiddenFill>
-            </a:ext>
-            <a:ext uri="{91240B29-F687-4F45-9708-019B960494DF}">
-              <a14:hiddenLine xmlns:a14="http://schemas.microsoft.com/office/drawing/2010/main" w="9525">
-                <a:solidFill>
-                  <a:schemeClr val="tx1"/>
-                </a:solidFill>
-                <a:miter lim="800000"/>
-                <a:headEnd/>
-                <a:tailEnd/>
-              </a14:hiddenLine>
-            </a:ext>
-          </a:extLst>
+          <a:extLst/>
         </p:spPr>
       </p:pic>
       <p:sp>
@@ -4458,15 +4442,19 @@
               <a:t>Klassen </a:t>
             </a:r>
             <a:r>
-              <a:rPr lang="sv-SE" sz="1600" dirty="0" smtClean="0">
+              <a:rPr lang="sv-SE" sz="1600" dirty="0" err="1" smtClean="0">
                 <a:latin typeface="Courier New" pitchFamily="49" charset="0"/>
                 <a:cs typeface="Courier New" pitchFamily="49" charset="0"/>
               </a:rPr>
-              <a:t>HomeController</a:t>
-            </a:r>
-            <a:r>
-              <a:rPr lang="sv-SE" dirty="0" smtClean="0"/>
-              <a:t> kan kopplas bort från det hårdkodade beroendet av en specifik ”</a:t>
+              <a:t>BirthdayController</a:t>
+            </a:r>
+            <a:r>
+              <a:rPr lang="sv-SE" dirty="0" smtClean="0"/>
+              <a:t> </a:t>
+            </a:r>
+            <a:r>
+              <a:rPr lang="sv-SE" dirty="0" smtClean="0"/>
+              <a:t>kan kopplas bort från det hårdkodade beroendet av en specifik ”</a:t>
             </a:r>
             <a:r>
               <a:rPr lang="sv-SE" i="1" dirty="0" smtClean="0"/>
@@ -4581,18 +4569,25 @@
           <a:p>
             <a:pPr marL="0" lvl="1"/>
             <a:r>
-              <a:rPr lang="sv-SE" sz="900" dirty="0" smtClean="0">
+              <a:rPr lang="sv-SE" sz="900" dirty="0" err="1" smtClean="0">
                 <a:latin typeface="Courier New" pitchFamily="49" charset="0"/>
                 <a:cs typeface="Courier New" pitchFamily="49" charset="0"/>
               </a:rPr>
-              <a:t>HomeController</a:t>
+              <a:t>BirthdayController</a:t>
             </a:r>
             <a:r>
               <a:rPr lang="sv-SE" sz="1100" dirty="0" smtClean="0">
                 <a:latin typeface="Times New Roman" pitchFamily="18" charset="0"/>
                 <a:cs typeface="Times New Roman" pitchFamily="18" charset="0"/>
               </a:rPr>
-              <a:t> är starkt beroende av </a:t>
+              <a:t> </a:t>
+            </a:r>
+            <a:r>
+              <a:rPr lang="sv-SE" sz="1100" dirty="0" smtClean="0">
+                <a:latin typeface="Times New Roman" pitchFamily="18" charset="0"/>
+                <a:cs typeface="Times New Roman" pitchFamily="18" charset="0"/>
+              </a:rPr>
+              <a:t>är starkt beroende av </a:t>
             </a:r>
             <a:r>
               <a:rPr lang="sv-SE" sz="900" dirty="0" err="1" smtClean="0">
@@ -4790,184 +4785,24 @@
           <a:chExt cx="0" cy="0"/>
         </a:xfrm>
       </p:grpSpPr>
-      <p:sp>
-        <p:nvSpPr>
-          <p:cNvPr id="2" name="Rubrik 1"/>
-          <p:cNvSpPr>
-            <a:spLocks noGrp="1"/>
-          </p:cNvSpPr>
-          <p:nvPr>
-            <p:ph type="title"/>
-          </p:nvPr>
-        </p:nvSpPr>
-        <p:spPr/>
-        <p:txBody>
-          <a:bodyPr/>
-          <a:lstStyle/>
-          <a:p>
-            <a:r>
-              <a:rPr lang="sv-SE" dirty="0" smtClean="0"/>
-              <a:t>Oberoende med </a:t>
-            </a:r>
-            <a:r>
-              <a:rPr lang="sv-SE" i="1" dirty="0" smtClean="0"/>
-              <a:t>dependency injection</a:t>
-            </a:r>
-            <a:endParaRPr lang="sv-SE" i="1" dirty="0"/>
-          </a:p>
-        </p:txBody>
-      </p:sp>
-      <p:sp>
-        <p:nvSpPr>
-          <p:cNvPr id="3" name="Platshållare för innehåll 2"/>
-          <p:cNvSpPr>
-            <a:spLocks noGrp="1"/>
-          </p:cNvSpPr>
-          <p:nvPr>
-            <p:ph idx="1"/>
-          </p:nvPr>
-        </p:nvSpPr>
-        <p:spPr>
-          <a:xfrm>
-            <a:off x="457200" y="817563"/>
-            <a:ext cx="4670612" cy="4619625"/>
-          </a:xfrm>
-        </p:spPr>
-        <p:txBody>
-          <a:bodyPr/>
-          <a:lstStyle/>
-          <a:p>
-            <a:r>
-              <a:rPr lang="sv-SE" dirty="0" smtClean="0"/>
-              <a:t>Det privata fältet </a:t>
-            </a:r>
-            <a:r>
-              <a:rPr lang="sv-SE" sz="1600" dirty="0" smtClean="0">
-                <a:latin typeface="Courier New" pitchFamily="49" charset="0"/>
-                <a:cs typeface="Courier New" pitchFamily="49" charset="0"/>
-              </a:rPr>
-              <a:t>_repository</a:t>
-            </a:r>
-            <a:r>
-              <a:rPr lang="sv-SE" sz="1600" dirty="0" smtClean="0"/>
-              <a:t> </a:t>
-            </a:r>
-            <a:r>
-              <a:rPr lang="sv-SE" dirty="0" smtClean="0"/>
-              <a:t>är av typen </a:t>
-            </a:r>
-            <a:r>
-              <a:rPr lang="sv-SE" sz="1600" dirty="0" smtClean="0">
-                <a:latin typeface="Courier New" pitchFamily="49" charset="0"/>
-                <a:cs typeface="Courier New" pitchFamily="49" charset="0"/>
-              </a:rPr>
-              <a:t>IRepository</a:t>
-            </a:r>
-            <a:r>
-              <a:rPr lang="sv-SE" dirty="0" smtClean="0"/>
-              <a:t> och kan referera till vilket objekt som helst som är instansierat från en klass som implementerar interfacet </a:t>
-            </a:r>
-            <a:r>
-              <a:rPr lang="sv-SE" sz="1600" dirty="0" smtClean="0">
-                <a:latin typeface="Courier New" pitchFamily="49" charset="0"/>
-                <a:cs typeface="Courier New" pitchFamily="49" charset="0"/>
-              </a:rPr>
-              <a:t>IRepository</a:t>
-            </a:r>
-            <a:r>
-              <a:rPr lang="sv-SE" dirty="0" smtClean="0"/>
-              <a:t>.</a:t>
-            </a:r>
-          </a:p>
-          <a:p>
-            <a:r>
-              <a:rPr lang="sv-SE" dirty="0" smtClean="0"/>
-              <a:t>ASP.NET MVC använder standardkonstruktorn för att instansiera objekt av typen </a:t>
-            </a:r>
-            <a:r>
-              <a:rPr lang="sv-SE" sz="1600" dirty="0" err="1" smtClean="0">
-                <a:latin typeface="Courier New" pitchFamily="49" charset="0"/>
-                <a:cs typeface="Courier New" pitchFamily="49" charset="0"/>
-              </a:rPr>
-              <a:t>BirthdayController</a:t>
-            </a:r>
-            <a:r>
-              <a:rPr lang="sv-SE" dirty="0" smtClean="0"/>
-              <a:t> varför ett </a:t>
-            </a:r>
-            <a:r>
-              <a:rPr lang="sv-SE" sz="1600" dirty="0" smtClean="0">
-                <a:latin typeface="Courier New" pitchFamily="49" charset="0"/>
-                <a:cs typeface="Courier New" pitchFamily="49" charset="0"/>
-              </a:rPr>
-              <a:t>EFRepository</a:t>
-            </a:r>
-            <a:r>
-              <a:rPr lang="sv-SE" dirty="0" smtClean="0"/>
-              <a:t>-objekt då kommer att utgöra centrallagret (</a:t>
-            </a:r>
-            <a:r>
-              <a:rPr lang="sv-SE" i="1" dirty="0" smtClean="0"/>
-              <a:t>repository</a:t>
-            </a:r>
-            <a:r>
-              <a:rPr lang="sv-SE" dirty="0" smtClean="0"/>
-              <a:t>).</a:t>
-            </a:r>
-          </a:p>
-          <a:p>
-            <a:r>
-              <a:rPr lang="sv-SE" dirty="0" smtClean="0"/>
-              <a:t>Då tester skrivs, eller om t.ex. </a:t>
-            </a:r>
-            <a:r>
-              <a:rPr lang="sv-SE" dirty="0" err="1" smtClean="0"/>
-              <a:t>Ninject</a:t>
-            </a:r>
-            <a:r>
-              <a:rPr lang="sv-SE" dirty="0" smtClean="0"/>
-              <a:t> används, kan den andra konstruktorn användas som gör det möjligt att skicka med vilket objekt som helst så länge det är instansierat från en klass som implementerar interfacet </a:t>
-            </a:r>
-            <a:r>
-              <a:rPr lang="sv-SE" sz="1600" dirty="0" smtClean="0">
-                <a:latin typeface="Courier New" pitchFamily="49" charset="0"/>
-                <a:cs typeface="Courier New" pitchFamily="49" charset="0"/>
-              </a:rPr>
-              <a:t>IRepository</a:t>
-            </a:r>
-            <a:r>
-              <a:rPr lang="sv-SE" dirty="0" smtClean="0"/>
-              <a:t>.</a:t>
-            </a:r>
-            <a:endParaRPr lang="sv-SE" dirty="0"/>
-          </a:p>
-        </p:txBody>
-      </p:sp>
       <p:pic>
         <p:nvPicPr>
-          <p:cNvPr id="6146" name="Picture 2"/>
+          <p:cNvPr id="4" name="Bildobjekt 3"/>
           <p:cNvPicPr>
-            <a:picLocks noChangeAspect="1" noChangeArrowheads="1"/>
+            <a:picLocks noChangeAspect="1"/>
           </p:cNvPicPr>
           <p:nvPr/>
         </p:nvPicPr>
         <p:blipFill>
-          <a:blip r:embed="rId2">
-            <a:extLst>
-              <a:ext uri="{28A0092B-C50C-407E-A947-70E740481C1C}">
-                <a14:useLocalDpi xmlns:a14="http://schemas.microsoft.com/office/drawing/2010/main" val="0"/>
-              </a:ext>
-            </a:extLst>
-          </a:blip>
-          <a:srcRect/>
+          <a:blip r:embed="rId2"/>
           <a:stretch>
             <a:fillRect/>
           </a:stretch>
         </p:blipFill>
-        <p:spPr bwMode="auto">
-          <a:xfrm rot="572710">
-            <a:off x="5426081" y="835232"/>
-            <a:ext cx="3600000" cy="4971429"/>
+        <p:spPr>
+          <a:xfrm rot="600000">
+            <a:off x="5345878" y="845965"/>
+            <a:ext cx="3600000" cy="4971428"/>
           </a:xfrm>
           <a:prstGeom prst="rect">
             <a:avLst/>
@@ -5004,9 +4839,161 @@
               <a:srgbClr val="969696"/>
             </a:contourClr>
           </a:sp3d>
-          <a:extLst/>
         </p:spPr>
       </p:pic>
+      <p:sp>
+        <p:nvSpPr>
+          <p:cNvPr id="2" name="Rubrik 1"/>
+          <p:cNvSpPr>
+            <a:spLocks noGrp="1"/>
+          </p:cNvSpPr>
+          <p:nvPr>
+            <p:ph type="title"/>
+          </p:nvPr>
+        </p:nvSpPr>
+        <p:spPr/>
+        <p:txBody>
+          <a:bodyPr/>
+          <a:lstStyle/>
+          <a:p>
+            <a:r>
+              <a:rPr lang="sv-SE" dirty="0" smtClean="0"/>
+              <a:t>Oberoende med </a:t>
+            </a:r>
+            <a:r>
+              <a:rPr lang="sv-SE" i="1" dirty="0" smtClean="0"/>
+              <a:t>dependency injection</a:t>
+            </a:r>
+            <a:endParaRPr lang="sv-SE" i="1" dirty="0"/>
+          </a:p>
+        </p:txBody>
+      </p:sp>
+      <p:sp>
+        <p:nvSpPr>
+          <p:cNvPr id="3" name="Platshållare för innehåll 2"/>
+          <p:cNvSpPr>
+            <a:spLocks noGrp="1"/>
+          </p:cNvSpPr>
+          <p:nvPr>
+            <p:ph idx="1"/>
+          </p:nvPr>
+        </p:nvSpPr>
+        <p:spPr>
+          <a:xfrm>
+            <a:off x="457200" y="817563"/>
+            <a:ext cx="4670612" cy="4619625"/>
+          </a:xfrm>
+        </p:spPr>
+        <p:txBody>
+          <a:bodyPr/>
+          <a:lstStyle/>
+          <a:p>
+            <a:r>
+              <a:rPr lang="sv-SE" dirty="0" smtClean="0"/>
+              <a:t>Det privata fältet </a:t>
+            </a:r>
+            <a:r>
+              <a:rPr lang="sv-SE" sz="1600" dirty="0" smtClean="0">
+                <a:latin typeface="Courier New" pitchFamily="49" charset="0"/>
+                <a:cs typeface="Courier New" pitchFamily="49" charset="0"/>
+              </a:rPr>
+              <a:t>_repository</a:t>
+            </a:r>
+            <a:r>
+              <a:rPr lang="sv-SE" sz="1600" dirty="0" smtClean="0"/>
+              <a:t> </a:t>
+            </a:r>
+            <a:r>
+              <a:rPr lang="sv-SE" dirty="0" smtClean="0"/>
+              <a:t>är av typen </a:t>
+            </a:r>
+            <a:r>
+              <a:rPr lang="sv-SE" sz="1600" dirty="0" smtClean="0">
+                <a:latin typeface="Courier New" pitchFamily="49" charset="0"/>
+                <a:cs typeface="Courier New" pitchFamily="49" charset="0"/>
+              </a:rPr>
+              <a:t>IRepository</a:t>
+            </a:r>
+            <a:r>
+              <a:rPr lang="sv-SE" dirty="0" smtClean="0"/>
+              <a:t> och kan referera till vilket objekt som helst som är instansierat från en klass som implementerar interfacet </a:t>
+            </a:r>
+            <a:r>
+              <a:rPr lang="sv-SE" sz="1600" dirty="0" smtClean="0">
+                <a:latin typeface="Courier New" pitchFamily="49" charset="0"/>
+                <a:cs typeface="Courier New" pitchFamily="49" charset="0"/>
+              </a:rPr>
+              <a:t>IRepository</a:t>
+            </a:r>
+            <a:r>
+              <a:rPr lang="sv-SE" dirty="0" smtClean="0"/>
+              <a:t>.</a:t>
+            </a:r>
+          </a:p>
+          <a:p>
+            <a:r>
+              <a:rPr lang="sv-SE" dirty="0" smtClean="0"/>
+              <a:t>ASP.NET MVC använder standardkonstruktorn för att instansiera objekt av typen </a:t>
+            </a:r>
+            <a:r>
+              <a:rPr lang="sv-SE" sz="1600" dirty="0" err="1" smtClean="0">
+                <a:latin typeface="Courier New" pitchFamily="49" charset="0"/>
+                <a:cs typeface="Courier New" pitchFamily="49" charset="0"/>
+              </a:rPr>
+              <a:t>BirthdayController</a:t>
+            </a:r>
+            <a:r>
+              <a:rPr lang="sv-SE" dirty="0" smtClean="0"/>
+              <a:t> varför ett </a:t>
+            </a:r>
+            <a:r>
+              <a:rPr lang="sv-SE" sz="1600" dirty="0" smtClean="0">
+                <a:latin typeface="Courier New" pitchFamily="49" charset="0"/>
+                <a:cs typeface="Courier New" pitchFamily="49" charset="0"/>
+              </a:rPr>
+              <a:t>EFRepository</a:t>
+            </a:r>
+            <a:r>
+              <a:rPr lang="sv-SE" dirty="0" smtClean="0"/>
+              <a:t>-objekt då kommer att utgöra centrallagret (</a:t>
+            </a:r>
+            <a:r>
+              <a:rPr lang="sv-SE" i="1" dirty="0" smtClean="0"/>
+              <a:t>repository</a:t>
+            </a:r>
+            <a:r>
+              <a:rPr lang="sv-SE" dirty="0" smtClean="0"/>
+              <a:t>).</a:t>
+            </a:r>
+          </a:p>
+          <a:p>
+            <a:r>
+              <a:rPr lang="sv-SE" dirty="0" smtClean="0"/>
+              <a:t>Då tester skrivs, eller om t.ex. </a:t>
+            </a:r>
+            <a:r>
+              <a:rPr lang="sv-SE" dirty="0" err="1" smtClean="0"/>
+              <a:t>Ninject</a:t>
+            </a:r>
+            <a:r>
+              <a:rPr lang="sv-SE" dirty="0" smtClean="0"/>
+              <a:t> används, kan den andra konstruktorn användas som gör det möjligt att skicka med vilket objekt som helst så länge det är instansierat från en klass som implementerar interfacet </a:t>
+            </a:r>
+            <a:r>
+              <a:rPr lang="sv-SE" sz="1600" dirty="0" smtClean="0">
+                <a:latin typeface="Courier New" pitchFamily="49" charset="0"/>
+                <a:cs typeface="Courier New" pitchFamily="49" charset="0"/>
+              </a:rPr>
+              <a:t>IRepository</a:t>
+            </a:r>
+            <a:r>
+              <a:rPr lang="sv-SE" dirty="0" smtClean="0"/>
+              <a:t>.</a:t>
+            </a:r>
+            <a:endParaRPr lang="sv-SE" dirty="0"/>
+          </a:p>
+        </p:txBody>
+      </p:sp>
     </p:spTree>
   </p:cSld>
   <p:clrMapOvr>
@@ -5138,7 +5125,11 @@
             </a:r>
             <a:r>
               <a:rPr lang="sv-SE" dirty="0" smtClean="0"/>
-              <a:t> EF 5 </a:t>
+              <a:t> EF </a:t>
+            </a:r>
+            <a:r>
+              <a:rPr lang="sv-SE" dirty="0" smtClean="0"/>
+              <a:t>6 </a:t>
             </a:r>
             <a:r>
               <a:rPr lang="sv-SE" dirty="0" err="1" smtClean="0"/>
@@ -5146,7 +5137,11 @@
             </a:r>
             <a:r>
               <a:rPr lang="sv-SE" dirty="0" smtClean="0"/>
-              <a:t> MVC 4</a:t>
+              <a:t> MVC </a:t>
+            </a:r>
+            <a:r>
+              <a:rPr lang="sv-SE" dirty="0" smtClean="0"/>
+              <a:t>5</a:t>
             </a:r>
           </a:p>
           <a:p>
@@ -5155,7 +5150,13 @@
               <a:rPr lang="sv-SE" dirty="0">
                 <a:hlinkClick r:id="rId4"/>
               </a:rPr>
-              <a:t>http://www.asp.net/mvc/tutorials/getting-started-with-ef-5-using-mvc-4</a:t>
+              <a:t>http://</a:t>
+            </a:r>
+            <a:r>
+              <a:rPr lang="sv-SE" dirty="0" smtClean="0">
+                <a:hlinkClick r:id="rId4"/>
+              </a:rPr>
+              <a:t>www.asp.net/mvc/overview/getting-started/getting-started-with-ef-using-mvc/creating-an-entity-framework-data-model-for-an-asp-net-mvc-application</a:t>
             </a:r>
             <a:endParaRPr lang="sv-SE" dirty="0" smtClean="0"/>
           </a:p>
@@ -6669,7 +6670,15 @@
           <a:p>
             <a:r>
               <a:rPr lang="sv-SE" dirty="0" smtClean="0"/>
-              <a:t>ASP.NET MVC har stöd för flera olika teknologier för hantering av data i databaser.</a:t>
+              <a:t>ASP.NET MVC har stöd för flera olika </a:t>
+            </a:r>
+            <a:r>
+              <a:rPr lang="sv-SE" dirty="0" smtClean="0"/>
+              <a:t>tekniker </a:t>
+            </a:r>
+            <a:r>
+              <a:rPr lang="sv-SE" dirty="0" smtClean="0"/>
+              <a:t>för hantering av data i databaser.</a:t>
             </a:r>
           </a:p>
           <a:p>
